--- a/Best Media Info_Help_and_Test_Instructions.pptx
+++ b/Best Media Info_Help_and_Test_Instructions.pptx
@@ -5610,7 +5610,7 @@
           <a:p>
             <a:r>
               <a:rPr lang="en-US" sz="1200" dirty="0"/>
-              <a:t>V: message continues for selected category then prompt for next action</a:t>
+              <a:t>V: detail for  single book for selected category then prompt for next action</a:t>
             </a:r>
           </a:p>
           <a:p>
@@ -6377,65 +6377,6 @@
           </a:p>
         </p:txBody>
       </p:sp>
-      <p:sp>
-        <p:nvSpPr>
-          <p:cNvPr id="45" name="Rectangle: Rounded Corners 44">
-            <a:extLst>
-              <a:ext uri="{FF2B5EF4-FFF2-40B4-BE49-F238E27FC236}">
-                <a16:creationId xmlns:a16="http://schemas.microsoft.com/office/drawing/2014/main" id="{069AC80A-EB93-4457-8F55-9A84B11B4AB2}"/>
-              </a:ext>
-            </a:extLst>
-          </p:cNvPr>
-          <p:cNvSpPr/>
-          <p:nvPr/>
-        </p:nvSpPr>
-        <p:spPr>
-          <a:xfrm>
-            <a:off x="3203165" y="4227727"/>
-            <a:ext cx="1742628" cy="762009"/>
-          </a:xfrm>
-          <a:prstGeom prst="roundRect">
-            <a:avLst/>
-          </a:prstGeom>
-          <a:solidFill>
-            <a:schemeClr val="accent2">
-              <a:lumMod val="75000"/>
-            </a:schemeClr>
-          </a:solidFill>
-        </p:spPr>
-        <p:style>
-          <a:lnRef idx="2">
-            <a:schemeClr val="accent1">
-              <a:shade val="50000"/>
-            </a:schemeClr>
-          </a:lnRef>
-          <a:fillRef idx="1">
-            <a:schemeClr val="accent1"/>
-          </a:fillRef>
-          <a:effectRef idx="0">
-            <a:schemeClr val="accent1"/>
-          </a:effectRef>
-          <a:fontRef idx="minor">
-            <a:schemeClr val="lt1"/>
-          </a:fontRef>
-        </p:style>
-        <p:txBody>
-          <a:bodyPr rtlCol="0" anchor="ctr"/>
-          <a:lstStyle/>
-          <a:p>
-            <a:r>
-              <a:rPr lang="en-US" sz="1200" dirty="0"/>
-              <a:t>V: individual book detail</a:t>
-            </a:r>
-          </a:p>
-          <a:p>
-            <a:r>
-              <a:rPr lang="en-US" sz="1200" dirty="0"/>
-              <a:t>D: individual book detail</a:t>
-            </a:r>
-          </a:p>
-        </p:txBody>
-      </p:sp>
       <p:cxnSp>
         <p:nvCxnSpPr>
           <p:cNvPr id="30" name="Connector: Elbow 29">
@@ -6446,18 +6387,22 @@
             </a:extLst>
           </p:cNvPr>
           <p:cNvCxnSpPr>
+            <a:cxnSpLocks/>
             <a:stCxn id="5" idx="2"/>
-            <a:endCxn id="45" idx="0"/>
+            <a:endCxn id="31" idx="3"/>
           </p:cNvCxnSpPr>
           <p:nvPr/>
         </p:nvCxnSpPr>
         <p:spPr>
-          <a:xfrm rot="5400000">
-            <a:off x="3650161" y="3800550"/>
-            <a:ext cx="851495" cy="2858"/>
-          </a:xfrm>
-          <a:prstGeom prst="bentConnector3">
-            <a:avLst/>
+          <a:xfrm rot="16200000" flipH="1">
+            <a:off x="4468748" y="2984821"/>
+            <a:ext cx="2160359" cy="2943180"/>
+          </a:xfrm>
+          <a:prstGeom prst="bentConnector4">
+            <a:avLst>
+              <a:gd name="adj1" fmla="val 44658"/>
+              <a:gd name="adj2" fmla="val 107767"/>
+            </a:avLst>
           </a:prstGeom>
           <a:ln>
             <a:tailEnd type="triangle"/>
